--- a/Documents/SlotMap.pptx
+++ b/Documents/SlotMap.pptx
@@ -203,7 +203,7 @@
           <a:p>
             <a:fld id="{A12AD773-4571-4BA7-9764-EB3102683502}" type="datetimeFigureOut">
               <a:rPr lang="ko-KR" altLang="en-US" smtClean="0"/>
-              <a:t>2026-01-07</a:t>
+              <a:t>2026-01-08</a:t>
             </a:fld>
             <a:endParaRPr lang="ko-KR" altLang="en-US"/>
           </a:p>
@@ -617,7 +617,7 @@
           <a:p>
             <a:fld id="{9BEEDAE8-372D-4E5B-BC55-512BC2C23F36}" type="datetimeFigureOut">
               <a:rPr lang="ko-KR" altLang="en-US" smtClean="0"/>
-              <a:t>2026-01-07</a:t>
+              <a:t>2026-01-08</a:t>
             </a:fld>
             <a:endParaRPr lang="ko-KR" altLang="en-US"/>
           </a:p>
@@ -815,7 +815,7 @@
           <a:p>
             <a:fld id="{9BEEDAE8-372D-4E5B-BC55-512BC2C23F36}" type="datetimeFigureOut">
               <a:rPr lang="ko-KR" altLang="en-US" smtClean="0"/>
-              <a:t>2026-01-07</a:t>
+              <a:t>2026-01-08</a:t>
             </a:fld>
             <a:endParaRPr lang="ko-KR" altLang="en-US"/>
           </a:p>
@@ -1023,7 +1023,7 @@
           <a:p>
             <a:fld id="{9BEEDAE8-372D-4E5B-BC55-512BC2C23F36}" type="datetimeFigureOut">
               <a:rPr lang="ko-KR" altLang="en-US" smtClean="0"/>
-              <a:t>2026-01-07</a:t>
+              <a:t>2026-01-08</a:t>
             </a:fld>
             <a:endParaRPr lang="ko-KR" altLang="en-US"/>
           </a:p>
@@ -1221,7 +1221,7 @@
           <a:p>
             <a:fld id="{9BEEDAE8-372D-4E5B-BC55-512BC2C23F36}" type="datetimeFigureOut">
               <a:rPr lang="ko-KR" altLang="en-US" smtClean="0"/>
-              <a:t>2026-01-07</a:t>
+              <a:t>2026-01-08</a:t>
             </a:fld>
             <a:endParaRPr lang="ko-KR" altLang="en-US"/>
           </a:p>
@@ -1496,7 +1496,7 @@
           <a:p>
             <a:fld id="{9BEEDAE8-372D-4E5B-BC55-512BC2C23F36}" type="datetimeFigureOut">
               <a:rPr lang="ko-KR" altLang="en-US" smtClean="0"/>
-              <a:t>2026-01-07</a:t>
+              <a:t>2026-01-08</a:t>
             </a:fld>
             <a:endParaRPr lang="ko-KR" altLang="en-US"/>
           </a:p>
@@ -1761,7 +1761,7 @@
           <a:p>
             <a:fld id="{9BEEDAE8-372D-4E5B-BC55-512BC2C23F36}" type="datetimeFigureOut">
               <a:rPr lang="ko-KR" altLang="en-US" smtClean="0"/>
-              <a:t>2026-01-07</a:t>
+              <a:t>2026-01-08</a:t>
             </a:fld>
             <a:endParaRPr lang="ko-KR" altLang="en-US"/>
           </a:p>
@@ -2173,7 +2173,7 @@
           <a:p>
             <a:fld id="{9BEEDAE8-372D-4E5B-BC55-512BC2C23F36}" type="datetimeFigureOut">
               <a:rPr lang="ko-KR" altLang="en-US" smtClean="0"/>
-              <a:t>2026-01-07</a:t>
+              <a:t>2026-01-08</a:t>
             </a:fld>
             <a:endParaRPr lang="ko-KR" altLang="en-US"/>
           </a:p>
@@ -2314,7 +2314,7 @@
           <a:p>
             <a:fld id="{9BEEDAE8-372D-4E5B-BC55-512BC2C23F36}" type="datetimeFigureOut">
               <a:rPr lang="ko-KR" altLang="en-US" smtClean="0"/>
-              <a:t>2026-01-07</a:t>
+              <a:t>2026-01-08</a:t>
             </a:fld>
             <a:endParaRPr lang="ko-KR" altLang="en-US"/>
           </a:p>
@@ -2427,7 +2427,7 @@
           <a:p>
             <a:fld id="{9BEEDAE8-372D-4E5B-BC55-512BC2C23F36}" type="datetimeFigureOut">
               <a:rPr lang="ko-KR" altLang="en-US" smtClean="0"/>
-              <a:t>2026-01-07</a:t>
+              <a:t>2026-01-08</a:t>
             </a:fld>
             <a:endParaRPr lang="ko-KR" altLang="en-US"/>
           </a:p>
@@ -2738,7 +2738,7 @@
           <a:p>
             <a:fld id="{9BEEDAE8-372D-4E5B-BC55-512BC2C23F36}" type="datetimeFigureOut">
               <a:rPr lang="ko-KR" altLang="en-US" smtClean="0"/>
-              <a:t>2026-01-07</a:t>
+              <a:t>2026-01-08</a:t>
             </a:fld>
             <a:endParaRPr lang="ko-KR" altLang="en-US"/>
           </a:p>
@@ -3026,7 +3026,7 @@
           <a:p>
             <a:fld id="{9BEEDAE8-372D-4E5B-BC55-512BC2C23F36}" type="datetimeFigureOut">
               <a:rPr lang="ko-KR" altLang="en-US" smtClean="0"/>
-              <a:t>2026-01-07</a:t>
+              <a:t>2026-01-08</a:t>
             </a:fld>
             <a:endParaRPr lang="ko-KR" altLang="en-US"/>
           </a:p>
@@ -3267,7 +3267,7 @@
           <a:p>
             <a:fld id="{9BEEDAE8-372D-4E5B-BC55-512BC2C23F36}" type="datetimeFigureOut">
               <a:rPr lang="ko-KR" altLang="en-US" smtClean="0"/>
-              <a:t>2026-01-07</a:t>
+              <a:t>2026-01-08</a:t>
             </a:fld>
             <a:endParaRPr lang="ko-KR" altLang="en-US"/>
           </a:p>
@@ -7470,7 +7470,7 @@
           <p:nvPr>
             <p:extLst>
               <p:ext uri="{D42A27DB-BD31-4B8C-83A1-F6EECF244321}">
-                <p14:modId xmlns:p14="http://schemas.microsoft.com/office/powerpoint/2010/main" val="985943859"/>
+                <p14:modId xmlns:p14="http://schemas.microsoft.com/office/powerpoint/2010/main" val="3830839234"/>
               </p:ext>
             </p:extLst>
           </p:nvPr>
@@ -7509,16 +7509,12 @@
                     <a:p>
                       <a:pPr latinLnBrk="1"/>
                       <a:r>
-                        <a:rPr lang="en-US" altLang="ko-KR" sz="1400" dirty="0"/>
-                        <a:t>Gen=</a:t>
-                      </a:r>
-                      <a:r>
                         <a:rPr lang="en-US" altLang="ko-KR" sz="1400" dirty="0">
                           <a:solidFill>
                             <a:srgbClr val="FF0000"/>
                           </a:solidFill>
                         </a:rPr>
-                        <a:t>1</a:t>
+                        <a:t>Gen=1</a:t>
                       </a:r>
                     </a:p>
                     <a:p>
@@ -7540,16 +7536,12 @@
                         <a:defRPr/>
                       </a:pPr>
                       <a:r>
-                        <a:rPr lang="en-US" altLang="ko-KR" sz="1400" dirty="0"/>
-                        <a:t>Alive = </a:t>
-                      </a:r>
-                      <a:r>
                         <a:rPr lang="en-US" altLang="ko-KR" sz="1400" dirty="0">
                           <a:solidFill>
                             <a:srgbClr val="FF0000"/>
                           </a:solidFill>
                         </a:rPr>
-                        <a:t>false</a:t>
+                        <a:t>Alive = false</a:t>
                       </a:r>
                       <a:endParaRPr lang="ko-KR" altLang="en-US" sz="1400" dirty="0">
                         <a:solidFill>
@@ -7810,7 +7802,7 @@
           <p:nvPr>
             <p:extLst>
               <p:ext uri="{D42A27DB-BD31-4B8C-83A1-F6EECF244321}">
-                <p14:modId xmlns:p14="http://schemas.microsoft.com/office/powerpoint/2010/main" val="783454698"/>
+                <p14:modId xmlns:p14="http://schemas.microsoft.com/office/powerpoint/2010/main" val="2408526013"/>
               </p:ext>
             </p:extLst>
           </p:nvPr>
@@ -7842,7 +7834,11 @@
                     <a:p>
                       <a:pPr latinLnBrk="1"/>
                       <a:r>
-                        <a:rPr lang="en-US" altLang="ko-KR" sz="1400" dirty="0"/>
+                        <a:rPr lang="en-US" altLang="ko-KR" sz="1400" dirty="0">
+                          <a:solidFill>
+                            <a:srgbClr val="FF0000"/>
+                          </a:solidFill>
+                        </a:rPr>
                         <a:t>DIndex=2</a:t>
                       </a:r>
                     </a:p>
@@ -8754,7 +8750,7 @@
           <p:nvPr>
             <p:extLst>
               <p:ext uri="{D42A27DB-BD31-4B8C-83A1-F6EECF244321}">
-                <p14:modId xmlns:p14="http://schemas.microsoft.com/office/powerpoint/2010/main" val="1650923772"/>
+                <p14:modId xmlns:p14="http://schemas.microsoft.com/office/powerpoint/2010/main" val="1406854134"/>
               </p:ext>
             </p:extLst>
           </p:nvPr>
@@ -8786,10 +8782,18 @@
                     <a:p>
                       <a:pPr latinLnBrk="1"/>
                       <a:r>
-                        <a:rPr lang="en-US" altLang="ko-KR" dirty="0"/>
+                        <a:rPr lang="en-US" altLang="ko-KR" dirty="0">
+                          <a:solidFill>
+                            <a:srgbClr val="FF0000"/>
+                          </a:solidFill>
+                        </a:rPr>
                         <a:t>0</a:t>
                       </a:r>
-                      <a:endParaRPr lang="ko-KR" altLang="en-US" dirty="0"/>
+                      <a:endParaRPr lang="ko-KR" altLang="en-US" dirty="0">
+                        <a:solidFill>
+                          <a:srgbClr val="FF0000"/>
+                        </a:solidFill>
+                      </a:endParaRPr>
                     </a:p>
                   </a:txBody>
                   <a:tcPr/>
@@ -8819,7 +8823,7 @@
         <p:spPr>
           <a:xfrm>
             <a:off x="2726342" y="5859154"/>
-            <a:ext cx="8164415" cy="369332"/>
+            <a:ext cx="8626079" cy="369332"/>
           </a:xfrm>
           <a:prstGeom prst="rect">
             <a:avLst/>
@@ -8878,7 +8882,7 @@
                   <a:srgbClr val="FF0000"/>
                 </a:solidFill>
               </a:rPr>
-              <a:t>비어있음</a:t>
+              <a:t>유효하지않음</a:t>
             </a:r>
             <a:r>
               <a:rPr lang="en-US" altLang="ko-KR" dirty="0">
@@ -10136,7 +10140,7 @@
           <p:nvPr>
             <p:extLst>
               <p:ext uri="{D42A27DB-BD31-4B8C-83A1-F6EECF244321}">
-                <p14:modId xmlns:p14="http://schemas.microsoft.com/office/powerpoint/2010/main" val="2646579413"/>
+                <p14:modId xmlns:p14="http://schemas.microsoft.com/office/powerpoint/2010/main" val="1177334275"/>
               </p:ext>
             </p:extLst>
           </p:nvPr>
@@ -10168,16 +10172,12 @@
                     <a:p>
                       <a:pPr latinLnBrk="1"/>
                       <a:r>
-                        <a:rPr lang="en-US" altLang="ko-KR" sz="1400" dirty="0"/>
-                        <a:t>DIndex=</a:t>
-                      </a:r>
-                      <a:r>
                         <a:rPr lang="en-US" altLang="ko-KR" sz="1400" dirty="0">
                           <a:solidFill>
                             <a:srgbClr val="FF0000"/>
                           </a:solidFill>
                         </a:rPr>
-                        <a:t>2</a:t>
+                        <a:t>DIndex=2</a:t>
                       </a:r>
                     </a:p>
                     <a:p>
@@ -10212,18 +10212,10 @@
                       <a:r>
                         <a:rPr lang="en-US" altLang="ko-KR" sz="1400" dirty="0">
                           <a:solidFill>
-                            <a:schemeClr val="bg1"/>
-                          </a:solidFill>
-                        </a:rPr>
-                        <a:t>Alive = </a:t>
-                      </a:r>
-                      <a:r>
-                        <a:rPr lang="en-US" altLang="ko-KR" sz="1400" dirty="0">
-                          <a:solidFill>
                             <a:srgbClr val="FF0000"/>
                           </a:solidFill>
                         </a:rPr>
-                        <a:t>true</a:t>
+                        <a:t>Alive = true</a:t>
                       </a:r>
                       <a:endParaRPr lang="ko-KR" altLang="en-US" sz="1400" dirty="0">
                         <a:solidFill>

--- a/Documents/SlotMap.pptx
+++ b/Documents/SlotMap.pptx
@@ -7802,7 +7802,7 @@
           <p:nvPr>
             <p:extLst>
               <p:ext uri="{D42A27DB-BD31-4B8C-83A1-F6EECF244321}">
-                <p14:modId xmlns:p14="http://schemas.microsoft.com/office/powerpoint/2010/main" val="2408526013"/>
+                <p14:modId xmlns:p14="http://schemas.microsoft.com/office/powerpoint/2010/main" val="1126398157"/>
               </p:ext>
             </p:extLst>
           </p:nvPr>
@@ -7834,12 +7834,20 @@
                     <a:p>
                       <a:pPr latinLnBrk="1"/>
                       <a:r>
+                        <a:rPr lang="en-US" altLang="ko-KR" sz="1400" dirty="0" err="1">
+                          <a:solidFill>
+                            <a:srgbClr val="FF0000"/>
+                          </a:solidFill>
+                        </a:rPr>
+                        <a:t>DIndex</a:t>
+                      </a:r>
+                      <a:r>
                         <a:rPr lang="en-US" altLang="ko-KR" sz="1400" dirty="0">
                           <a:solidFill>
                             <a:srgbClr val="FF0000"/>
                           </a:solidFill>
                         </a:rPr>
-                        <a:t>DIndex=2</a:t>
+                        <a:t>=0</a:t>
                       </a:r>
                     </a:p>
                     <a:p>
@@ -10476,7 +10484,7 @@
           <p:nvPr>
             <p:extLst>
               <p:ext uri="{D42A27DB-BD31-4B8C-83A1-F6EECF244321}">
-                <p14:modId xmlns:p14="http://schemas.microsoft.com/office/powerpoint/2010/main" val="539691715"/>
+                <p14:modId xmlns:p14="http://schemas.microsoft.com/office/powerpoint/2010/main" val="157688984"/>
               </p:ext>
             </p:extLst>
           </p:nvPr>
@@ -10508,8 +10516,12 @@
                     <a:p>
                       <a:pPr latinLnBrk="1"/>
                       <a:r>
+                        <a:rPr lang="en-US" altLang="ko-KR" sz="1400" dirty="0" err="1"/>
+                        <a:t>DIndex</a:t>
+                      </a:r>
+                      <a:r>
                         <a:rPr lang="en-US" altLang="ko-KR" sz="1400" dirty="0"/>
-                        <a:t>DIndex=2</a:t>
+                        <a:t>=0</a:t>
                       </a:r>
                     </a:p>
                     <a:p>

--- a/Documents/SlotMap.pptx
+++ b/Documents/SlotMap.pptx
@@ -7909,7 +7909,7 @@
           <p:nvPr>
             <p:extLst>
               <p:ext uri="{D42A27DB-BD31-4B8C-83A1-F6EECF244321}">
-                <p14:modId xmlns:p14="http://schemas.microsoft.com/office/powerpoint/2010/main" val="106737019"/>
+                <p14:modId xmlns:p14="http://schemas.microsoft.com/office/powerpoint/2010/main" val="3520652804"/>
               </p:ext>
             </p:extLst>
           </p:nvPr>
@@ -7940,10 +7940,6 @@
                     <a:lstStyle/>
                     <a:p>
                       <a:pPr latinLnBrk="1"/>
-                      <a:r>
-                        <a:rPr lang="en-US" altLang="ko-KR" dirty="0"/>
-                        <a:t>T3</a:t>
-                      </a:r>
                       <a:endParaRPr lang="ko-KR" altLang="en-US" dirty="0"/>
                     </a:p>
                   </a:txBody>
@@ -8286,7 +8282,7 @@
           <p:nvPr>
             <p:extLst>
               <p:ext uri="{D42A27DB-BD31-4B8C-83A1-F6EECF244321}">
-                <p14:modId xmlns:p14="http://schemas.microsoft.com/office/powerpoint/2010/main" val="4223982583"/>
+                <p14:modId xmlns:p14="http://schemas.microsoft.com/office/powerpoint/2010/main" val="1626900887"/>
               </p:ext>
             </p:extLst>
           </p:nvPr>
@@ -8317,10 +8313,6 @@
                     <a:lstStyle/>
                     <a:p>
                       <a:pPr latinLnBrk="1"/>
-                      <a:r>
-                        <a:rPr lang="en-US" altLang="ko-KR" dirty="0"/>
-                        <a:t>0</a:t>
-                      </a:r>
                       <a:endParaRPr lang="ko-KR" altLang="en-US" dirty="0"/>
                     </a:p>
                   </a:txBody>
@@ -9659,7 +9651,7 @@
           <p:nvPr>
             <p:extLst>
               <p:ext uri="{D42A27DB-BD31-4B8C-83A1-F6EECF244321}">
-                <p14:modId xmlns:p14="http://schemas.microsoft.com/office/powerpoint/2010/main" val="1224525859"/>
+                <p14:modId xmlns:p14="http://schemas.microsoft.com/office/powerpoint/2010/main" val="592288463"/>
               </p:ext>
             </p:extLst>
           </p:nvPr>
@@ -9690,10 +9682,6 @@
                     <a:lstStyle/>
                     <a:p>
                       <a:pPr latinLnBrk="1"/>
-                      <a:r>
-                        <a:rPr lang="en-US" altLang="ko-KR" dirty="0"/>
-                        <a:t>T3</a:t>
-                      </a:r>
                       <a:endParaRPr lang="ko-KR" altLang="en-US" dirty="0"/>
                     </a:p>
                   </a:txBody>
@@ -9860,7 +9848,7 @@
           <p:nvPr>
             <p:extLst>
               <p:ext uri="{D42A27DB-BD31-4B8C-83A1-F6EECF244321}">
-                <p14:modId xmlns:p14="http://schemas.microsoft.com/office/powerpoint/2010/main" val="332865987"/>
+                <p14:modId xmlns:p14="http://schemas.microsoft.com/office/powerpoint/2010/main" val="733230095"/>
               </p:ext>
             </p:extLst>
           </p:nvPr>
@@ -9891,10 +9879,6 @@
                     <a:lstStyle/>
                     <a:p>
                       <a:pPr latinLnBrk="1"/>
-                      <a:r>
-                        <a:rPr lang="en-US" altLang="ko-KR" dirty="0"/>
-                        <a:t>0</a:t>
-                      </a:r>
                       <a:endParaRPr lang="ko-KR" altLang="en-US" dirty="0"/>
                     </a:p>
                   </a:txBody>
@@ -10867,7 +10851,7 @@
           <p:nvPr>
             <p:extLst>
               <p:ext uri="{D42A27DB-BD31-4B8C-83A1-F6EECF244321}">
-                <p14:modId xmlns:p14="http://schemas.microsoft.com/office/powerpoint/2010/main" val="56975798"/>
+                <p14:modId xmlns:p14="http://schemas.microsoft.com/office/powerpoint/2010/main" val="3515426029"/>
               </p:ext>
             </p:extLst>
           </p:nvPr>
@@ -10898,10 +10882,6 @@
                     <a:lstStyle/>
                     <a:p>
                       <a:pPr latinLnBrk="1"/>
-                      <a:r>
-                        <a:rPr lang="en-US" altLang="ko-KR" dirty="0"/>
-                        <a:t>0</a:t>
-                      </a:r>
                       <a:endParaRPr lang="ko-KR" altLang="en-US" dirty="0"/>
                     </a:p>
                   </a:txBody>
